--- a/mvp_presentation.pptx
+++ b/mvp_presentation.pptx
@@ -122,7 +122,7 @@
 <file path=ppt/revisionInfo.xml><?xml version="1.0" encoding="utf-8"?>
 <p1510:revInfo xmlns:a="http://schemas.openxmlformats.org/drawingml/2006/main" xmlns:r="http://schemas.openxmlformats.org/officeDocument/2006/relationships" xmlns:p1510="http://schemas.microsoft.com/office/powerpoint/2015/10/main">
   <p1510:revLst>
-    <p1510:client id="{70325750-CC38-AC2A-5F65-D229B8AD53EA}" v="2230" dt="2024-04-27T05:29:02.095"/>
+    <p1510:client id="{70325750-CC38-AC2A-5F65-D229B8AD53EA}" v="2359" dt="2024-04-27T05:47:19.454"/>
   </p1510:revLst>
 </p1510:revInfo>
 </file>
@@ -12440,7 +12440,7 @@
         </p:nvSpPr>
         <p:spPr>
           <a:xfrm>
-            <a:off x="3922403" y="228600"/>
+            <a:off x="3922403" y="127958"/>
             <a:ext cx="3026186" cy="782146"/>
           </a:xfrm>
         </p:spPr>
@@ -12683,66 +12683,130 @@
           <a:chExt cx="0" cy="0"/>
         </a:xfrm>
       </p:grpSpPr>
-      <p:sp>
-        <p:nvSpPr>
-          <p:cNvPr id="2" name="제목 1">
+      <p:pic>
+        <p:nvPicPr>
+          <p:cNvPr id="4" name="그림 3" descr="텍스트, 스크린샷, 직사각형, 폰트이(가) 표시된 사진&#10;&#10;자동 생성된 설명">
             <a:extLst>
               <a:ext uri="{FF2B5EF4-FFF2-40B4-BE49-F238E27FC236}">
-                <a16:creationId xmlns:a16="http://schemas.microsoft.com/office/drawing/2014/main" id="{186CAC7D-F766-3D11-605C-A3057CB3A401}"/>
+                <a16:creationId xmlns:a16="http://schemas.microsoft.com/office/drawing/2014/main" id="{159B51E1-2CDF-CEAB-2B7D-9473E98CEF67}"/>
               </a:ext>
             </a:extLst>
           </p:cNvPr>
-          <p:cNvSpPr>
-            <a:spLocks noGrp="1"/>
-          </p:cNvSpPr>
-          <p:nvPr>
-            <p:ph type="title"/>
-          </p:nvPr>
-        </p:nvSpPr>
+          <p:cNvPicPr>
+            <a:picLocks noChangeAspect="1"/>
+          </p:cNvPicPr>
+          <p:nvPr/>
+        </p:nvPicPr>
+        <p:blipFill>
+          <a:blip r:embed="rId2"/>
+          <a:stretch>
+            <a:fillRect/>
+          </a:stretch>
+        </p:blipFill>
         <p:spPr>
           <a:xfrm>
-            <a:off x="1032058" y="149772"/>
-            <a:ext cx="8596668" cy="1320800"/>
+            <a:off x="5240188" y="1768239"/>
+            <a:ext cx="4601474" cy="3321528"/>
           </a:xfrm>
+          <a:prstGeom prst="rect">
+            <a:avLst/>
+          </a:prstGeom>
         </p:spPr>
-        <p:txBody>
-          <a:bodyPr/>
-          <a:lstStyle/>
-          <a:p>
-            <a:endParaRPr lang="ko-KR" altLang="en-US"/>
-          </a:p>
-        </p:txBody>
-      </p:sp>
-      <p:sp>
-        <p:nvSpPr>
-          <p:cNvPr id="3" name="내용 개체 틀 2">
+      </p:pic>
+      <p:sp>
+        <p:nvSpPr>
+          <p:cNvPr id="6" name="TextBox 5">
             <a:extLst>
               <a:ext uri="{FF2B5EF4-FFF2-40B4-BE49-F238E27FC236}">
-                <a16:creationId xmlns:a16="http://schemas.microsoft.com/office/drawing/2014/main" id="{472DE6F9-5EA2-E0D8-9288-0942B3764B38}"/>
+                <a16:creationId xmlns:a16="http://schemas.microsoft.com/office/drawing/2014/main" id="{F21251B2-4EF7-2CF0-6E6E-4BD3C587D28E}"/>
               </a:ext>
             </a:extLst>
           </p:cNvPr>
-          <p:cNvSpPr>
-            <a:spLocks noGrp="1"/>
-          </p:cNvSpPr>
-          <p:nvPr>
-            <p:ph idx="1"/>
-          </p:nvPr>
+          <p:cNvSpPr txBox="1"/>
+          <p:nvPr/>
         </p:nvSpPr>
         <p:spPr>
           <a:xfrm>
-            <a:off x="1032058" y="2055486"/>
-            <a:ext cx="8596668" cy="3880773"/>
+            <a:off x="2935569" y="471289"/>
+            <a:ext cx="4614269" cy="646331"/>
           </a:xfrm>
+          <a:prstGeom prst="rect">
+            <a:avLst/>
+          </a:prstGeom>
+          <a:noFill/>
         </p:spPr>
         <p:txBody>
-          <a:bodyPr/>
+          <a:bodyPr rot="0" spcFirstLastPara="0" vertOverflow="overflow" horzOverflow="overflow" vert="horz" wrap="square" lIns="91440" tIns="45720" rIns="91440" bIns="45720" numCol="1" spcCol="0" rtlCol="0" fromWordArt="0" anchor="t" anchorCtr="0" forceAA="0" compatLnSpc="1">
+            <a:prstTxWarp prst="textNoShape">
+              <a:avLst/>
+            </a:prstTxWarp>
+            <a:spAutoFit/>
+          </a:bodyPr>
           <a:lstStyle/>
           <a:p>
-            <a:endParaRPr lang="ko-KR" altLang="en-US"/>
+            <a:r>
+              <a:rPr lang="ko-KR" altLang="en-US" dirty="0">
+                <a:ea typeface="HY그래픽M"/>
+              </a:rPr>
+              <a:t>이와 같이 사진으로 표현된 경우 직접 정수 값으로 </a:t>
+            </a:r>
+            <a:r>
+              <a:rPr lang="ko-KR" altLang="en-US" dirty="0" err="1">
+                <a:ea typeface="HY그래픽M"/>
+              </a:rPr>
+              <a:t>라벨링</a:t>
+            </a:r>
+            <a:r>
+              <a:rPr lang="ko-KR" altLang="en-US" dirty="0">
+                <a:ea typeface="HY그래픽M"/>
+              </a:rPr>
+              <a:t> 해줄 </a:t>
+            </a:r>
+            <a:r>
+              <a:rPr lang="ko-KR" altLang="en-US" dirty="0" err="1">
+                <a:ea typeface="HY그래픽M"/>
+              </a:rPr>
+              <a:t>바꾸어줄</a:t>
+            </a:r>
+            <a:r>
+              <a:rPr lang="ko-KR" altLang="en-US" dirty="0">
+                <a:ea typeface="HY그래픽M"/>
+              </a:rPr>
+              <a:t> 필요가 있다.</a:t>
+            </a:r>
           </a:p>
         </p:txBody>
       </p:sp>
+      <p:pic>
+        <p:nvPicPr>
+          <p:cNvPr id="7" name="그림 6" descr="텍스트, 스크린샷, 번호, 폰트이(가) 표시된 사진&#10;&#10;자동 생성된 설명">
+            <a:extLst>
+              <a:ext uri="{FF2B5EF4-FFF2-40B4-BE49-F238E27FC236}">
+                <a16:creationId xmlns:a16="http://schemas.microsoft.com/office/drawing/2014/main" id="{A67FE9AD-8BC0-838F-1703-139E8136D3C9}"/>
+              </a:ext>
+            </a:extLst>
+          </p:cNvPr>
+          <p:cNvPicPr>
+            <a:picLocks noChangeAspect="1"/>
+          </p:cNvPicPr>
+          <p:nvPr/>
+        </p:nvPicPr>
+        <p:blipFill>
+          <a:blip r:embed="rId3"/>
+          <a:stretch>
+            <a:fillRect/>
+          </a:stretch>
+        </p:blipFill>
+        <p:spPr>
+          <a:xfrm>
+            <a:off x="622629" y="1771829"/>
+            <a:ext cx="4606325" cy="3429359"/>
+          </a:xfrm>
+          <a:prstGeom prst="rect">
+            <a:avLst/>
+          </a:prstGeom>
+        </p:spPr>
+      </p:pic>
     </p:spTree>
     <p:extLst>
       <p:ext uri="{BB962C8B-B14F-4D97-AF65-F5344CB8AC3E}">
